--- a/old/lesson_74_java.pptx
+++ b/old/lesson_74_java.pptx
@@ -16,6 +16,7 @@
     <p:sldId id="261" r:id="rId13"/>
     <p:sldId id="262" r:id="rId14"/>
     <p:sldId id="263" r:id="rId15"/>
+    <p:sldId id="264" r:id="rId16"/>
   </p:sldIdLst>
   <p:sldSz cx="9144000" cy="5143500"/>
   <p:notesSz cx="6858000" cy="9144000"/>
@@ -490,7 +491,7 @@
       </p:grpSpPr>
       <p:sp>
         <p:nvSpPr>
-          <p:cNvPr id="176" name="Shape 176"/>
+          <p:cNvPr id="179" name="Shape 179"/>
           <p:cNvSpPr/>
           <p:nvPr>
             <p:ph type="sldImg"/>
@@ -511,7 +512,7 @@
       </p:sp>
       <p:sp>
         <p:nvSpPr>
-          <p:cNvPr id="177" name="Shape 177"/>
+          <p:cNvPr id="180" name="Shape 180"/>
           <p:cNvSpPr/>
           <p:nvPr>
             <p:ph type="body" sz="quarter" idx="1"/>
@@ -526,21 +527,30 @@
           <a:bodyPr/>
           <a:lstStyle/>
           <a:p>
-            <a:pPr/>
-            <a:r>
-              <a:t>+answers will vary. Make a plan can be hard, if you don’t know where to start.  (4) can also be hard, since people want to do as little work as possible.</a:t>
-            </a:r>
-          </a:p>
-          <a:p>
-            <a:pPr/>
-            <a:r>
-              <a:t>+Why is it a good idea to understand the problem and then make a plan? because otherwise we don’t know what we’re doing!</a:t>
-            </a:r>
-          </a:p>
-          <a:p>
-            <a:pPr/>
-            <a:r>
-              <a:t>+How do you start making a plan? Think about what you already know, and about how this problem resembles problems you’ve seen before.  </a:t>
+            <a:pPr marL="187157" indent="-187157">
+              <a:buSzPct val="100000"/>
+              <a:buAutoNum type="arabicPeriod" startAt="1"/>
+            </a:pPr>
+            <a:r>
+              <a:t>bot use word 4, both have an i. both are for loops. both involve an increment of 1 and an increment of two.</a:t>
+            </a:r>
+          </a:p>
+          <a:p>
+            <a:pPr marL="187157" indent="-187157">
+              <a:buSzPct val="100000"/>
+              <a:buAutoNum type="arabicPeriod" startAt="1"/>
+            </a:pPr>
+            <a:r>
+              <a:t>The java for loop is (unsurprisingly) more complicated.  It requires you to explicitly state the upper bound, lower bound and increment for every loop </a:t>
+            </a:r>
+          </a:p>
+          <a:p>
+            <a:pPr marL="187157" indent="-187157">
+              <a:buSzPct val="100000"/>
+              <a:buAutoNum type="arabicPeriod" startAt="1"/>
+            </a:pPr>
+            <a:r>
+              <a:t>Yes, Each will print “I love AP CS A” ten times and “I really love AP CS A” five times.</a:t>
             </a:r>
           </a:p>
         </p:txBody>
@@ -572,7 +582,7 @@
       </p:grpSpPr>
       <p:sp>
         <p:nvSpPr>
-          <p:cNvPr id="185" name="Shape 185"/>
+          <p:cNvPr id="188" name="Shape 188"/>
           <p:cNvSpPr/>
           <p:nvPr>
             <p:ph type="sldImg"/>
@@ -593,7 +603,7 @@
       </p:sp>
       <p:sp>
         <p:nvSpPr>
-          <p:cNvPr id="186" name="Shape 186"/>
+          <p:cNvPr id="189" name="Shape 189"/>
           <p:cNvSpPr/>
           <p:nvPr>
             <p:ph type="body" sz="quarter" idx="1"/>
@@ -654,7 +664,7 @@
       </p:grpSpPr>
       <p:sp>
         <p:nvSpPr>
-          <p:cNvPr id="197" name="Shape 197"/>
+          <p:cNvPr id="205" name="Shape 205"/>
           <p:cNvSpPr/>
           <p:nvPr>
             <p:ph type="sldImg"/>
@@ -675,7 +685,7 @@
       </p:sp>
       <p:sp>
         <p:nvSpPr>
-          <p:cNvPr id="198" name="Shape 198"/>
+          <p:cNvPr id="206" name="Shape 206"/>
           <p:cNvSpPr/>
           <p:nvPr>
             <p:ph type="body" sz="quarter" idx="1"/>
@@ -870,7 +880,7 @@
       </p:grpSpPr>
       <p:sp>
         <p:nvSpPr>
-          <p:cNvPr id="203" name="Shape 203"/>
+          <p:cNvPr id="211" name="Shape 211"/>
           <p:cNvSpPr/>
           <p:nvPr>
             <p:ph type="sldImg"/>
@@ -891,7 +901,7 @@
       </p:sp>
       <p:sp>
         <p:nvSpPr>
-          <p:cNvPr id="204" name="Shape 204"/>
+          <p:cNvPr id="212" name="Shape 212"/>
           <p:cNvSpPr/>
           <p:nvPr>
             <p:ph type="body" sz="quarter" idx="1"/>
@@ -2739,7 +2749,7 @@
           <a:p>
             <a:pPr/>
             <a:r>
-              <a:t>Dr. O’Brien, 11/4/21</a:t>
+              <a:t>Dr. O’Brien, 11/5/21</a:t>
             </a:r>
           </a:p>
         </p:txBody>
@@ -5399,14 +5409,14 @@
       </p:sp>
       <p:sp>
         <p:nvSpPr>
-          <p:cNvPr id="174" name="The sum() method on the right asks the user for two numbers and outputs their sum.…"/>
+          <p:cNvPr id="174" name="Compare the two examples to the right…"/>
           <p:cNvSpPr txBox="1"/>
           <p:nvPr/>
         </p:nvSpPr>
         <p:spPr>
           <a:xfrm>
             <a:off x="305303" y="1956587"/>
-            <a:ext cx="2653076" cy="2603303"/>
+            <a:ext cx="2653076" cy="2590801"/>
           </a:xfrm>
           <a:prstGeom prst="rect">
             <a:avLst/>
@@ -5428,19 +5438,7 @@
           <a:p>
             <a:pPr/>
             <a:r>
-              <a:t>The </a:t>
-            </a:r>
-            <a:r>
-              <a:rPr>
-                <a:latin typeface="Courier New"/>
-                <a:ea typeface="Courier New"/>
-                <a:cs typeface="Courier New"/>
-                <a:sym typeface="Courier New"/>
-              </a:rPr>
-              <a:t>sum()</a:t>
-            </a:r>
-            <a:r>
-              <a:t> method on the right asks the user for two numbers and outputs their sum.</a:t>
+              <a:t>Compare the two examples to the right</a:t>
             </a:r>
           </a:p>
           <a:p>
@@ -5449,7 +5447,7 @@
               <a:buAutoNum type="arabicPeriod" startAt="1"/>
             </a:pPr>
             <a:r>
-              <a:t>What questions do you have about how the method works?</a:t>
+              <a:t>What similarities do you notice between these examples? List three</a:t>
             </a:r>
           </a:p>
           <a:p>
@@ -5458,21 +5456,23 @@
               <a:buAutoNum type="arabicPeriod" startAt="1"/>
             </a:pPr>
             <a:r>
-              <a:t>How could you alter this method so that it instead asks the user for </a:t>
-            </a:r>
-            <a:r>
-              <a:rPr b="1"/>
-              <a:t>ten</a:t>
-            </a:r>
-            <a:r>
-              <a:t> numbers and outputs their sum? Try to think of at least two ways and describe each.</a:t>
+              <a:t>What differences do you notice? List three.</a:t>
+            </a:r>
+          </a:p>
+          <a:p>
+            <a:pPr marL="187157" indent="-187157">
+              <a:buSzPct val="100000"/>
+              <a:buAutoNum type="arabicPeriod" startAt="1"/>
+            </a:pPr>
+            <a:r>
+              <a:t>Do you think these two programs will have identical outputs? Explain why or why not.</a:t>
             </a:r>
           </a:p>
         </p:txBody>
       </p:sp>
       <p:pic>
         <p:nvPicPr>
-          <p:cNvPr id="175" name="IMG_0065.png" descr="IMG_0065.png"/>
+          <p:cNvPr id="175" name="Image" descr="Image"/>
           <p:cNvPicPr>
             <a:picLocks noChangeAspect="1"/>
           </p:cNvPicPr>
@@ -5482,15 +5482,131 @@
           <a:blip r:embed="rId3">
             <a:extLst/>
           </a:blip>
-          <a:srcRect l="9612" t="36379" r="1257" b="16351"/>
           <a:stretch>
             <a:fillRect/>
           </a:stretch>
         </p:blipFill>
         <p:spPr>
           <a:xfrm>
-            <a:off x="3191677" y="1844390"/>
-            <a:ext cx="5185396" cy="2062493"/>
+            <a:off x="5071742" y="1777625"/>
+            <a:ext cx="3494584" cy="1310470"/>
+          </a:xfrm>
+          <a:prstGeom prst="rect">
+            <a:avLst/>
+          </a:prstGeom>
+          <a:ln w="12700">
+            <a:miter lim="400000"/>
+          </a:ln>
+        </p:spPr>
+      </p:pic>
+      <p:sp>
+        <p:nvSpPr>
+          <p:cNvPr id="176" name="Java for loops:"/>
+          <p:cNvSpPr txBox="1"/>
+          <p:nvPr/>
+        </p:nvSpPr>
+        <p:spPr>
+          <a:xfrm>
+            <a:off x="3430556" y="1778089"/>
+            <a:ext cx="1169009" cy="215901"/>
+          </a:xfrm>
+          <a:prstGeom prst="rect">
+            <a:avLst/>
+          </a:prstGeom>
+          <a:ln w="12700">
+            <a:miter lim="400000"/>
+          </a:ln>
+          <a:extLst>
+            <a:ext uri="{C572A759-6A51-4108-AA02-DFA0A04FC94B}">
+              <ma14:wrappingTextBoxFlag xmlns:ma14="http://schemas.microsoft.com/office/mac/drawingml/2011/main" val="1"/>
+            </a:ext>
+          </a:extLst>
+        </p:spPr>
+        <p:txBody>
+          <a:bodyPr wrap="none" lIns="0" tIns="0" rIns="0" bIns="0">
+            <a:spAutoFit/>
+          </a:bodyPr>
+          <a:lstStyle>
+            <a:lvl1pPr>
+              <a:defRPr>
+                <a:solidFill>
+                  <a:schemeClr val="accent3"/>
+                </a:solidFill>
+              </a:defRPr>
+            </a:lvl1pPr>
+          </a:lstStyle>
+          <a:p>
+            <a:pPr/>
+            <a:r>
+              <a:t>Java for loops:</a:t>
+            </a:r>
+          </a:p>
+        </p:txBody>
+      </p:sp>
+      <p:sp>
+        <p:nvSpPr>
+          <p:cNvPr id="177" name="Python for loops:"/>
+          <p:cNvSpPr txBox="1"/>
+          <p:nvPr/>
+        </p:nvSpPr>
+        <p:spPr>
+          <a:xfrm>
+            <a:off x="3306306" y="3337379"/>
+            <a:ext cx="1346982" cy="215901"/>
+          </a:xfrm>
+          <a:prstGeom prst="rect">
+            <a:avLst/>
+          </a:prstGeom>
+          <a:ln w="12700">
+            <a:miter lim="400000"/>
+          </a:ln>
+          <a:extLst>
+            <a:ext uri="{C572A759-6A51-4108-AA02-DFA0A04FC94B}">
+              <ma14:wrappingTextBoxFlag xmlns:ma14="http://schemas.microsoft.com/office/mac/drawingml/2011/main" val="1"/>
+            </a:ext>
+          </a:extLst>
+        </p:spPr>
+        <p:txBody>
+          <a:bodyPr wrap="none" lIns="0" tIns="0" rIns="0" bIns="0">
+            <a:spAutoFit/>
+          </a:bodyPr>
+          <a:lstStyle>
+            <a:lvl1pPr>
+              <a:defRPr>
+                <a:solidFill>
+                  <a:schemeClr val="accent3"/>
+                </a:solidFill>
+              </a:defRPr>
+            </a:lvl1pPr>
+          </a:lstStyle>
+          <a:p>
+            <a:pPr/>
+            <a:r>
+              <a:t>Python for loops:</a:t>
+            </a:r>
+          </a:p>
+        </p:txBody>
+      </p:sp>
+      <p:pic>
+        <p:nvPicPr>
+          <p:cNvPr id="178" name="Image" descr="Image"/>
+          <p:cNvPicPr>
+            <a:picLocks noChangeAspect="1"/>
+          </p:cNvPicPr>
+          <p:nvPr/>
+        </p:nvPicPr>
+        <p:blipFill>
+          <a:blip r:embed="rId4">
+            <a:extLst/>
+          </a:blip>
+          <a:stretch>
+            <a:fillRect/>
+          </a:stretch>
+        </p:blipFill>
+        <p:spPr>
+          <a:xfrm>
+            <a:off x="5001214" y="3198450"/>
+            <a:ext cx="4152901" cy="1320801"/>
           </a:xfrm>
           <a:prstGeom prst="rect">
             <a:avLst/>
@@ -5528,7 +5644,7 @@
       </p:grpSpPr>
       <p:sp>
         <p:nvSpPr>
-          <p:cNvPr id="179" name="framing…"/>
+          <p:cNvPr id="182" name="framing…"/>
           <p:cNvSpPr txBox="1"/>
           <p:nvPr/>
         </p:nvSpPr>
@@ -5668,7 +5784,7 @@
       </p:sp>
       <p:pic>
         <p:nvPicPr>
-          <p:cNvPr id="180" name="Image" descr="Image"/>
+          <p:cNvPr id="183" name="Image" descr="Image"/>
           <p:cNvPicPr>
             <a:picLocks noChangeAspect="1"/>
           </p:cNvPicPr>
@@ -5734,7 +5850,7 @@
                                       <p:cBhvr>
                                         <p:cTn id="6" fill="hold"/>
                                         <p:tgtEl>
-                                          <p:spTgt spid="179">
+                                          <p:spTgt spid="182">
                                             <p:bg/>
                                           </p:spTgt>
                                         </p:tgtEl>
@@ -5762,7 +5878,7 @@
                                       <p:cBhvr>
                                         <p:cTn id="8" fill="hold"/>
                                         <p:tgtEl>
-                                          <p:spTgt spid="179">
+                                          <p:spTgt spid="182">
                                             <p:txEl>
                                               <p:pRg st="0" end="0"/>
                                             </p:txEl>
@@ -5810,7 +5926,7 @@
                                       <p:cBhvr>
                                         <p:cTn id="12" fill="hold"/>
                                         <p:tgtEl>
-                                          <p:spTgt spid="179">
+                                          <p:spTgt spid="182">
                                             <p:txEl>
                                               <p:pRg st="1" end="1"/>
                                             </p:txEl>
@@ -5858,7 +5974,7 @@
                                       <p:cBhvr>
                                         <p:cTn id="16" fill="hold"/>
                                         <p:tgtEl>
-                                          <p:spTgt spid="179">
+                                          <p:spTgt spid="182">
                                             <p:txEl>
                                               <p:pRg st="2" end="2"/>
                                             </p:txEl>
@@ -5906,7 +6022,7 @@
                                       <p:cBhvr>
                                         <p:cTn id="20" fill="hold"/>
                                         <p:tgtEl>
-                                          <p:spTgt spid="179">
+                                          <p:spTgt spid="182">
                                             <p:txEl>
                                               <p:pRg st="3" end="3"/>
                                             </p:txEl>
@@ -5951,7 +6067,7 @@
       </p:par>
     </p:tnLst>
     <p:bldLst>
-      <p:bldP build="p" bldLvl="5" animBg="1" rev="0" advAuto="0" spid="179" grpId="1"/>
+      <p:bldP build="p" bldLvl="5" animBg="1" rev="0" advAuto="0" spid="182" grpId="1"/>
     </p:bldLst>
   </p:timing>
 </p:sld>
@@ -5976,7 +6092,7 @@
       </p:grpSpPr>
       <p:sp>
         <p:nvSpPr>
-          <p:cNvPr id="182" name="10……"/>
+          <p:cNvPr id="185" name="10……"/>
           <p:cNvSpPr txBox="1"/>
           <p:nvPr/>
         </p:nvSpPr>
@@ -6182,7 +6298,7 @@
       </p:sp>
       <p:sp>
         <p:nvSpPr>
-          <p:cNvPr id="183" name="Writing to learn…"/>
+          <p:cNvPr id="186" name="Writing to learn…"/>
           <p:cNvSpPr txBox="1"/>
           <p:nvPr>
             <p:ph type="title"/>
@@ -6285,7 +6401,7 @@
       </p:sp>
       <p:sp>
         <p:nvSpPr>
-          <p:cNvPr id="184" name="How could you write a program that outputs the text?…"/>
+          <p:cNvPr id="187" name="What are two ways you could write a program that outputs the text?…"/>
           <p:cNvSpPr txBox="1"/>
           <p:nvPr/>
         </p:nvSpPr>
@@ -6317,7 +6433,7 @@
               <a:buAutoNum type="arabicPeriod" startAt="1"/>
             </a:pPr>
             <a:r>
-              <a:t>How could you write a program that outputs the text?</a:t>
+              <a:t>What are two ways you could write a program that outputs the text?</a:t>
             </a:r>
           </a:p>
           <a:p>
@@ -6370,7 +6486,7 @@
                                       <p:cBhvr>
                                         <p:cTn id="6" fill="hold"/>
                                         <p:tgtEl>
-                                          <p:spTgt spid="184">
+                                          <p:spTgt spid="187">
                                             <p:bg/>
                                           </p:spTgt>
                                         </p:tgtEl>
@@ -6398,7 +6514,7 @@
                                       <p:cBhvr>
                                         <p:cTn id="8" fill="hold"/>
                                         <p:tgtEl>
-                                          <p:spTgt spid="184">
+                                          <p:spTgt spid="187">
                                             <p:txEl>
                                               <p:pRg st="0" end="0"/>
                                             </p:txEl>
@@ -6446,7 +6562,7 @@
                                       <p:cBhvr>
                                         <p:cTn id="12" fill="hold"/>
                                         <p:tgtEl>
-                                          <p:spTgt spid="184">
+                                          <p:spTgt spid="187">
                                             <p:txEl>
                                               <p:pRg st="1" end="1"/>
                                             </p:txEl>
@@ -6491,7 +6607,7 @@
       </p:par>
     </p:tnLst>
     <p:bldLst>
-      <p:bldP build="p" bldLvl="5" animBg="1" rev="0" advAuto="0" spid="184" grpId="1"/>
+      <p:bldP build="p" bldLvl="5" animBg="1" rev="0" advAuto="0" spid="187" grpId="1"/>
     </p:bldLst>
   </p:timing>
 </p:sld>
@@ -6516,7 +6632,7 @@
       </p:grpSpPr>
       <p:sp>
         <p:nvSpPr>
-          <p:cNvPr id="188" name="While loop…"/>
+          <p:cNvPr id="191" name="While loop…"/>
           <p:cNvSpPr txBox="1"/>
           <p:nvPr/>
         </p:nvSpPr>
@@ -6570,7 +6686,7 @@
       </p:sp>
       <p:sp>
         <p:nvSpPr>
-          <p:cNvPr id="189" name="Vocab…"/>
+          <p:cNvPr id="192" name="Vocab…"/>
           <p:cNvSpPr txBox="1"/>
           <p:nvPr>
             <p:ph type="title"/>
@@ -6693,7 +6809,7 @@
       </p:sp>
       <p:pic>
         <p:nvPicPr>
-          <p:cNvPr id="190" name="IMG_0066.png" descr="IMG_0066.png"/>
+          <p:cNvPr id="193" name="IMG_0066.png" descr="IMG_0066.png"/>
           <p:cNvPicPr>
             <a:picLocks noChangeAspect="1"/>
           </p:cNvPicPr>
@@ -6723,7 +6839,7 @@
       </p:pic>
       <p:sp>
         <p:nvSpPr>
-          <p:cNvPr id="191" name="For loop…"/>
+          <p:cNvPr id="194" name="For loop…"/>
           <p:cNvSpPr txBox="1"/>
           <p:nvPr/>
         </p:nvSpPr>
@@ -6777,7 +6893,7 @@
       </p:sp>
       <p:pic>
         <p:nvPicPr>
-          <p:cNvPr id="192" name="IMG_0067.png" descr="IMG_0067.png"/>
+          <p:cNvPr id="195" name="IMG_0067.png" descr="IMG_0067.png"/>
           <p:cNvPicPr>
             <a:picLocks noChangeAspect="1"/>
           </p:cNvPicPr>
@@ -6844,7 +6960,7 @@
                                       <p:cBhvr>
                                         <p:cTn id="6" fill="hold"/>
                                         <p:tgtEl>
-                                          <p:spTgt spid="191"/>
+                                          <p:spTgt spid="194"/>
                                         </p:tgtEl>
                                         <p:attrNameLst>
                                           <p:attrName>style.visibility</p:attrName>
@@ -6888,7 +7004,7 @@
                                       <p:cBhvr>
                                         <p:cTn id="10" fill="hold"/>
                                         <p:tgtEl>
-                                          <p:spTgt spid="192"/>
+                                          <p:spTgt spid="195"/>
                                         </p:tgtEl>
                                         <p:attrNameLst>
                                           <p:attrName>style.visibility</p:attrName>
@@ -6929,8 +7045,8 @@
       </p:par>
     </p:tnLst>
     <p:bldLst>
-      <p:bldP build="whole" bldLvl="1" animBg="1" rev="0" advAuto="0" spid="191" grpId="1"/>
-      <p:bldP build="whole" bldLvl="1" animBg="1" rev="0" advAuto="0" spid="192" grpId="2"/>
+      <p:bldP build="whole" bldLvl="1" animBg="1" rev="0" advAuto="0" spid="194" grpId="1"/>
+      <p:bldP build="whole" bldLvl="1" animBg="1" rev="0" advAuto="0" spid="195" grpId="2"/>
     </p:bldLst>
   </p:timing>
 </p:sld>
@@ -6955,7 +7071,7 @@
       </p:grpSpPr>
       <p:sp>
         <p:nvSpPr>
-          <p:cNvPr id="194" name="Coding to learn: live coding…"/>
+          <p:cNvPr id="197" name="Vocab…"/>
           <p:cNvSpPr txBox="1"/>
           <p:nvPr>
             <p:ph type="title"/>
@@ -6995,7 +7111,7 @@
               </a:defRPr>
             </a:pPr>
             <a:r>
-              <a:t>Coding to learn: live coding</a:t>
+              <a:t>Vocab</a:t>
             </a:r>
           </a:p>
           <a:p>
@@ -7031,7 +7147,7 @@
                   </a:schemeClr>
                 </a:solidFill>
               </a:rPr>
-              <a:t>Move to your workstations. Log Into CodeHS and visit </a:t>
+              <a:t>Keep your </a:t>
             </a:r>
             <a:r>
               <a:rPr b="1">
@@ -7041,7 +7157,7 @@
                   </a:schemeClr>
                 </a:solidFill>
               </a:rPr>
-              <a:t>Countdown </a:t>
+              <a:t>notebook </a:t>
             </a:r>
             <a:r>
               <a:rPr>
@@ -7051,31 +7167,41 @@
                   </a:schemeClr>
                 </a:solidFill>
               </a:rPr>
-              <a:t>in </a:t>
-            </a:r>
-            <a:r>
-              <a:rPr b="1">
+              <a:t>open. Copy each definition, including the code sample, in your </a:t>
+            </a:r>
+            <a:r>
+              <a:rPr u="sng">
                 <a:solidFill>
                   <a:schemeClr val="accent3">
                     <a:lumOff val="-9098"/>
                   </a:schemeClr>
                 </a:solidFill>
               </a:rPr>
-              <a:t>In Class Examples.</a:t>
+              <a:t>Java Glossary</a:t>
+            </a:r>
+            <a:r>
+              <a:rPr>
+                <a:solidFill>
+                  <a:schemeClr val="accent3">
+                    <a:lumOff val="-9098"/>
+                  </a:schemeClr>
+                </a:solidFill>
+              </a:rPr>
+              <a:t>.</a:t>
             </a:r>
           </a:p>
         </p:txBody>
       </p:sp>
       <p:sp>
         <p:nvSpPr>
-          <p:cNvPr id="195" name="Enter a number: 6…"/>
+          <p:cNvPr id="198" name="For loop…"/>
           <p:cNvSpPr txBox="1"/>
           <p:nvPr/>
         </p:nvSpPr>
         <p:spPr>
           <a:xfrm>
-            <a:off x="5784814" y="1663468"/>
-            <a:ext cx="2829996" cy="1625601"/>
+            <a:off x="5361963" y="1755466"/>
+            <a:ext cx="2866698" cy="2374901"/>
           </a:xfrm>
           <a:prstGeom prst="rect">
             <a:avLst/>
@@ -7098,6 +7224,447 @@
             <a:pPr>
               <a:defRPr>
                 <a:solidFill>
+                  <a:srgbClr val="012F7B"/>
+                </a:solidFill>
+              </a:defRPr>
+            </a:pPr>
+            <a:r>
+              <a:t>For loop</a:t>
+            </a:r>
+          </a:p>
+          <a:p>
+            <a:pPr>
+              <a:defRPr>
+                <a:solidFill>
+                  <a:srgbClr val="FF6A00"/>
+                </a:solidFill>
+              </a:defRPr>
+            </a:pPr>
+            <a:r>
+              <a:rPr b="1"/>
+              <a:t>Variable initialization</a:t>
+            </a:r>
+            <a:r>
+              <a:t> gives us the starting value for the counter.</a:t>
+            </a:r>
+          </a:p>
+          <a:p>
+            <a:pPr>
+              <a:defRPr>
+                <a:solidFill>
+                  <a:srgbClr val="FF6A00"/>
+                </a:solidFill>
+              </a:defRPr>
+            </a:pPr>
+          </a:p>
+          <a:p>
+            <a:pPr>
+              <a:defRPr b="1">
+                <a:solidFill>
+                  <a:srgbClr val="FF6A00"/>
+                </a:solidFill>
+              </a:defRPr>
+            </a:pPr>
+            <a:r>
+              <a:t>Boolean expression </a:t>
+            </a:r>
+            <a:r>
+              <a:rPr b="0"/>
+              <a:t>sets the upper bound.  </a:t>
+            </a:r>
+            <a:endParaRPr b="0"/>
+          </a:p>
+          <a:p>
+            <a:pPr>
+              <a:defRPr b="1">
+                <a:solidFill>
+                  <a:srgbClr val="FF6A00"/>
+                </a:solidFill>
+              </a:defRPr>
+            </a:pPr>
+            <a:endParaRPr b="0"/>
+          </a:p>
+          <a:p>
+            <a:pPr>
+              <a:defRPr b="1">
+                <a:solidFill>
+                  <a:srgbClr val="FF6A00"/>
+                </a:solidFill>
+              </a:defRPr>
+            </a:pPr>
+            <a:r>
+              <a:t>Increment </a:t>
+            </a:r>
+            <a:r>
+              <a:rPr b="0"/>
+              <a:t>sets how the counter changes with each iteration.  </a:t>
+            </a:r>
+            <a:endParaRPr b="0"/>
+          </a:p>
+          <a:p>
+            <a:pPr>
+              <a:defRPr b="1">
+                <a:solidFill>
+                  <a:srgbClr val="FF6A00"/>
+                </a:solidFill>
+              </a:defRPr>
+            </a:pPr>
+            <a:endParaRPr b="0"/>
+          </a:p>
+        </p:txBody>
+      </p:sp>
+      <p:pic>
+        <p:nvPicPr>
+          <p:cNvPr id="199" name="IMG_0067.png" descr="IMG_0067.png"/>
+          <p:cNvPicPr>
+            <a:picLocks noChangeAspect="1"/>
+          </p:cNvPicPr>
+          <p:nvPr/>
+        </p:nvPicPr>
+        <p:blipFill>
+          <a:blip r:embed="rId2">
+            <a:extLst/>
+          </a:blip>
+          <a:srcRect l="8873" t="28886" r="1996" b="34210"/>
+          <a:stretch>
+            <a:fillRect/>
+          </a:stretch>
+        </p:blipFill>
+        <p:spPr>
+          <a:xfrm>
+            <a:off x="421727" y="1669196"/>
+            <a:ext cx="4309896" cy="1338307"/>
+          </a:xfrm>
+          <a:prstGeom prst="rect">
+            <a:avLst/>
+          </a:prstGeom>
+          <a:ln w="12700">
+            <a:miter lim="400000"/>
+          </a:ln>
+        </p:spPr>
+      </p:pic>
+      <p:pic>
+        <p:nvPicPr>
+          <p:cNvPr id="200" name="Image" descr="Image"/>
+          <p:cNvPicPr>
+            <a:picLocks noChangeAspect="1"/>
+          </p:cNvPicPr>
+          <p:nvPr/>
+        </p:nvPicPr>
+        <p:blipFill>
+          <a:blip r:embed="rId3">
+            <a:extLst/>
+          </a:blip>
+          <a:stretch>
+            <a:fillRect/>
+          </a:stretch>
+        </p:blipFill>
+        <p:spPr>
+          <a:xfrm>
+            <a:off x="545347" y="3077395"/>
+            <a:ext cx="3494585" cy="1310470"/>
+          </a:xfrm>
+          <a:prstGeom prst="rect">
+            <a:avLst/>
+          </a:prstGeom>
+          <a:ln w="12700">
+            <a:miter lim="400000"/>
+          </a:ln>
+        </p:spPr>
+      </p:pic>
+    </p:spTree>
+  </p:cSld>
+  <p:clrMapOvr>
+    <a:masterClrMapping/>
+  </p:clrMapOvr>
+  <p:transition xmlns:p14="http://schemas.microsoft.com/office/powerpoint/2010/main" spd="med" advClick="1"/>
+  <p:timing>
+    <p:tnLst>
+      <p:par>
+        <p:cTn id="1" nodeType="tmRoot" restart="never" dur="indefinite" fill="hold">
+          <p:childTnLst>
+            <p:seq concurrent="1" prevAc="none" nextAc="seek">
+              <p:cTn id="2" nodeType="mainSeq" dur="indefinite" fill="hold">
+                <p:childTnLst>
+                  <p:par>
+                    <p:cTn id="3" fill="hold">
+                      <p:stCondLst>
+                        <p:cond delay="indefinite"/>
+                      </p:stCondLst>
+                      <p:childTnLst>
+                        <p:par>
+                          <p:cTn id="4" fill="hold">
+                            <p:stCondLst>
+                              <p:cond delay="0"/>
+                            </p:stCondLst>
+                            <p:childTnLst>
+                              <p:par>
+                                <p:cTn id="5" presetClass="entr" nodeType="clickEffect" presetSubtype="0" presetID="1" grpId="1" fill="hold">
+                                  <p:stCondLst>
+                                    <p:cond delay="0"/>
+                                  </p:stCondLst>
+                                  <p:iterate type="el" backwards="0">
+                                    <p:tmAbs val="0"/>
+                                  </p:iterate>
+                                  <p:childTnLst>
+                                    <p:set>
+                                      <p:cBhvr>
+                                        <p:cTn id="6" fill="hold"/>
+                                        <p:tgtEl>
+                                          <p:spTgt spid="198"/>
+                                        </p:tgtEl>
+                                        <p:attrNameLst>
+                                          <p:attrName>style.visibility</p:attrName>
+                                        </p:attrNameLst>
+                                      </p:cBhvr>
+                                      <p:to>
+                                        <p:strVal val="visible"/>
+                                      </p:to>
+                                    </p:set>
+                                  </p:childTnLst>
+                                </p:cTn>
+                              </p:par>
+                            </p:childTnLst>
+                          </p:cTn>
+                        </p:par>
+                      </p:childTnLst>
+                    </p:cTn>
+                  </p:par>
+                  <p:par>
+                    <p:cTn id="7" fill="hold">
+                      <p:stCondLst>
+                        <p:cond delay="indefinite"/>
+                      </p:stCondLst>
+                      <p:childTnLst>
+                        <p:par>
+                          <p:cTn id="8" fill="hold">
+                            <p:stCondLst>
+                              <p:cond delay="0"/>
+                            </p:stCondLst>
+                            <p:childTnLst>
+                              <p:par>
+                                <p:cTn id="9" presetClass="entr" nodeType="clickEffect" presetSubtype="0" presetID="1" grpId="2" fill="hold">
+                                  <p:stCondLst>
+                                    <p:cond delay="0"/>
+                                  </p:stCondLst>
+                                  <p:iterate type="el" backwards="0">
+                                    <p:tmAbs val="0"/>
+                                  </p:iterate>
+                                  <p:childTnLst>
+                                    <p:set>
+                                      <p:cBhvr>
+                                        <p:cTn id="10" fill="hold"/>
+                                        <p:tgtEl>
+                                          <p:spTgt spid="199"/>
+                                        </p:tgtEl>
+                                        <p:attrNameLst>
+                                          <p:attrName>style.visibility</p:attrName>
+                                        </p:attrNameLst>
+                                      </p:cBhvr>
+                                      <p:to>
+                                        <p:strVal val="visible"/>
+                                      </p:to>
+                                    </p:set>
+                                  </p:childTnLst>
+                                </p:cTn>
+                              </p:par>
+                            </p:childTnLst>
+                          </p:cTn>
+                        </p:par>
+                      </p:childTnLst>
+                    </p:cTn>
+                  </p:par>
+                </p:childTnLst>
+              </p:cTn>
+              <p:prevCondLst>
+                <p:cond evt="onPrev">
+                  <p:tgtEl>
+                    <p:sldTgt/>
+                  </p:tgtEl>
+                </p:cond>
+              </p:prevCondLst>
+              <p:nextCondLst>
+                <p:cond evt="onNext">
+                  <p:tgtEl>
+                    <p:sldTgt/>
+                  </p:tgtEl>
+                </p:cond>
+              </p:nextCondLst>
+            </p:seq>
+          </p:childTnLst>
+        </p:cTn>
+      </p:par>
+    </p:tnLst>
+    <p:bldLst>
+      <p:bldP build="whole" bldLvl="1" animBg="1" rev="0" advAuto="0" spid="199" grpId="2"/>
+      <p:bldP build="whole" bldLvl="1" animBg="1" rev="0" advAuto="0" spid="198" grpId="1"/>
+    </p:bldLst>
+  </p:timing>
+</p:sld>
+</file>
+
+<file path=ppt/slides/slide7.xml><?xml version="1.0" encoding="utf-8"?>
+<p:sld xmlns:a="http://schemas.openxmlformats.org/drawingml/2006/main" xmlns:r="http://schemas.openxmlformats.org/officeDocument/2006/relationships" xmlns:p="http://schemas.openxmlformats.org/presentationml/2006/main" xmlns:m="http://schemas.openxmlformats.org/officeDocument/2006/math" xmlns:a14="http://schemas.microsoft.com/office/drawing/2010/main" showMasterSp="1" showMasterPhAnim="1">
+  <p:cSld>
+    <p:spTree>
+      <p:nvGrpSpPr>
+        <p:cNvPr id="1" name=""/>
+        <p:cNvGrpSpPr/>
+        <p:nvPr/>
+      </p:nvGrpSpPr>
+      <p:grpSpPr>
+        <a:xfrm>
+          <a:off x="0" y="0"/>
+          <a:ext cx="0" cy="0"/>
+          <a:chOff x="0" y="0"/>
+          <a:chExt cx="0" cy="0"/>
+        </a:xfrm>
+      </p:grpSpPr>
+      <p:sp>
+        <p:nvSpPr>
+          <p:cNvPr id="202" name="Coding to learn: live coding…"/>
+          <p:cNvSpPr txBox="1"/>
+          <p:nvPr>
+            <p:ph type="title"/>
+          </p:nvPr>
+        </p:nvSpPr>
+        <p:spPr>
+          <a:xfrm>
+            <a:off x="1404467" y="357128"/>
+            <a:ext cx="7302728" cy="939691"/>
+          </a:xfrm>
+          <a:prstGeom prst="rect">
+            <a:avLst/>
+          </a:prstGeom>
+          <a:solidFill>
+            <a:srgbClr val="FFFFFF"/>
+          </a:solidFill>
+          <a:ln w="25400">
+            <a:solidFill>
+              <a:schemeClr val="accent1"/>
+            </a:solidFill>
+            <a:round/>
+          </a:ln>
+        </p:spPr>
+        <p:txBody>
+          <a:bodyPr lIns="91422" tIns="91422" rIns="91422" bIns="91422"/>
+          <a:lstStyle/>
+          <a:p>
+            <a:pPr defTabSz="813816">
+              <a:defRPr b="0" sz="2100">
+                <a:solidFill>
+                  <a:srgbClr val="F46524"/>
+                </a:solidFill>
+                <a:latin typeface="+mn-lt"/>
+                <a:ea typeface="+mn-ea"/>
+                <a:cs typeface="+mn-cs"/>
+                <a:sym typeface="Arial"/>
+              </a:defRPr>
+            </a:pPr>
+            <a:r>
+              <a:t>Coding to learn: live coding</a:t>
+            </a:r>
+          </a:p>
+          <a:p>
+            <a:pPr defTabSz="813816">
+              <a:defRPr b="0" sz="1200">
+                <a:solidFill>
+                  <a:schemeClr val="accent5"/>
+                </a:solidFill>
+                <a:latin typeface="+mj-lt"/>
+                <a:ea typeface="+mj-ea"/>
+                <a:cs typeface="+mj-cs"/>
+                <a:sym typeface="Helvetica"/>
+              </a:defRPr>
+            </a:pPr>
+            <a:r>
+              <a:t>be sure to:</a:t>
+            </a:r>
+            <a:r>
+              <a:rPr>
+                <a:solidFill>
+                  <a:schemeClr val="accent5">
+                    <a:lumOff val="-9843"/>
+                  </a:schemeClr>
+                </a:solidFill>
+              </a:rPr>
+              <a:t> </a:t>
+            </a:r>
+            <a:r>
+              <a:rPr>
+                <a:solidFill>
+                  <a:schemeClr val="accent3">
+                    <a:lumOff val="-9098"/>
+                  </a:schemeClr>
+                </a:solidFill>
+              </a:rPr>
+              <a:t>Move to your workstations. Log Into CodeHS and visit </a:t>
+            </a:r>
+            <a:r>
+              <a:rPr b="1">
+                <a:solidFill>
+                  <a:schemeClr val="accent3">
+                    <a:lumOff val="-9098"/>
+                  </a:schemeClr>
+                </a:solidFill>
+              </a:rPr>
+              <a:t>Countdown </a:t>
+            </a:r>
+            <a:r>
+              <a:rPr>
+                <a:solidFill>
+                  <a:schemeClr val="accent3">
+                    <a:lumOff val="-9098"/>
+                  </a:schemeClr>
+                </a:solidFill>
+              </a:rPr>
+              <a:t>in </a:t>
+            </a:r>
+            <a:r>
+              <a:rPr b="1">
+                <a:solidFill>
+                  <a:schemeClr val="accent3">
+                    <a:lumOff val="-9098"/>
+                  </a:schemeClr>
+                </a:solidFill>
+              </a:rPr>
+              <a:t>In Class Examples.</a:t>
+            </a:r>
+          </a:p>
+        </p:txBody>
+      </p:sp>
+      <p:sp>
+        <p:nvSpPr>
+          <p:cNvPr id="203" name="Enter a number: 6…"/>
+          <p:cNvSpPr txBox="1"/>
+          <p:nvPr/>
+        </p:nvSpPr>
+        <p:spPr>
+          <a:xfrm>
+            <a:off x="5784814" y="1663468"/>
+            <a:ext cx="2829996" cy="1625601"/>
+          </a:xfrm>
+          <a:prstGeom prst="rect">
+            <a:avLst/>
+          </a:prstGeom>
+          <a:ln w="12700">
+            <a:miter lim="400000"/>
+          </a:ln>
+          <a:extLst>
+            <a:ext uri="{C572A759-6A51-4108-AA02-DFA0A04FC94B}">
+              <ma14:wrappingTextBoxFlag xmlns:ma14="http://schemas.microsoft.com/office/mac/drawingml/2011/main" val="1"/>
+            </a:ext>
+          </a:extLst>
+        </p:spPr>
+        <p:txBody>
+          <a:bodyPr lIns="0" tIns="0" rIns="0" bIns="0">
+            <a:spAutoFit/>
+          </a:bodyPr>
+          <a:lstStyle/>
+          <a:p>
+            <a:pPr>
+              <a:defRPr>
+                <a:solidFill>
                   <a:srgbClr val="000000"/>
                 </a:solidFill>
                 <a:latin typeface="Courier New"/>
@@ -7226,14 +7793,14 @@
       </p:sp>
       <p:sp>
         <p:nvSpPr>
-          <p:cNvPr id="196" name="Let’s see how we could code this up in Java…"/>
+          <p:cNvPr id="204" name="Let’s see how we could code this up in Java…"/>
           <p:cNvSpPr txBox="1"/>
           <p:nvPr/>
         </p:nvSpPr>
         <p:spPr>
           <a:xfrm>
             <a:off x="1415416" y="1642892"/>
-            <a:ext cx="3758221" cy="863601"/>
+            <a:ext cx="3758222" cy="863601"/>
           </a:xfrm>
           <a:prstGeom prst="rect">
             <a:avLst/>
@@ -7314,7 +7881,7 @@
                                       <p:cBhvr>
                                         <p:cTn id="6" fill="hold"/>
                                         <p:tgtEl>
-                                          <p:spTgt spid="196">
+                                          <p:spTgt spid="204">
                                             <p:bg/>
                                           </p:spTgt>
                                         </p:tgtEl>
@@ -7342,7 +7909,7 @@
                                       <p:cBhvr>
                                         <p:cTn id="8" fill="hold"/>
                                         <p:tgtEl>
-                                          <p:spTgt spid="196">
+                                          <p:spTgt spid="204">
                                             <p:txEl>
                                               <p:pRg st="0" end="0"/>
                                             </p:txEl>
@@ -7390,7 +7957,7 @@
                                       <p:cBhvr>
                                         <p:cTn id="12" fill="hold"/>
                                         <p:tgtEl>
-                                          <p:spTgt spid="196">
+                                          <p:spTgt spid="204">
                                             <p:txEl>
                                               <p:pRg st="1" end="1"/>
                                             </p:txEl>
@@ -7438,7 +8005,7 @@
                                       <p:cBhvr>
                                         <p:cTn id="16" fill="hold"/>
                                         <p:tgtEl>
-                                          <p:spTgt spid="196">
+                                          <p:spTgt spid="204">
                                             <p:txEl>
                                               <p:pRg st="2" end="2"/>
                                             </p:txEl>
@@ -7486,7 +8053,7 @@
                                       <p:cBhvr>
                                         <p:cTn id="20" fill="hold"/>
                                         <p:tgtEl>
-                                          <p:spTgt spid="196">
+                                          <p:spTgt spid="204">
                                             <p:txEl>
                                               <p:pRg st="3" end="3"/>
                                             </p:txEl>
@@ -7531,13 +8098,13 @@
       </p:par>
     </p:tnLst>
     <p:bldLst>
-      <p:bldP build="p" bldLvl="5" animBg="1" rev="0" advAuto="0" spid="196" grpId="1"/>
+      <p:bldP build="p" bldLvl="5" animBg="1" rev="0" advAuto="0" spid="204" grpId="1"/>
     </p:bldLst>
   </p:timing>
 </p:sld>
 </file>
 
-<file path=ppt/slides/slide7.xml><?xml version="1.0" encoding="utf-8"?>
+<file path=ppt/slides/slide8.xml><?xml version="1.0" encoding="utf-8"?>
 <p:sld xmlns:a="http://schemas.openxmlformats.org/drawingml/2006/main" xmlns:r="http://schemas.openxmlformats.org/officeDocument/2006/relationships" xmlns:p="http://schemas.openxmlformats.org/presentationml/2006/main" xmlns:m="http://schemas.openxmlformats.org/officeDocument/2006/math" xmlns:a14="http://schemas.microsoft.com/office/drawing/2010/main" showMasterSp="1" showMasterPhAnim="1">
   <p:cSld>
     <p:spTree>
@@ -7556,7 +8123,7 @@
       </p:grpSpPr>
       <p:sp>
         <p:nvSpPr>
-          <p:cNvPr id="200" name="How are the two loops used differently in this problem?…"/>
+          <p:cNvPr id="208" name="How are the two loops used differently in this problem?…"/>
           <p:cNvSpPr txBox="1"/>
           <p:nvPr/>
         </p:nvSpPr>
@@ -7613,7 +8180,7 @@
       </p:sp>
       <p:sp>
         <p:nvSpPr>
-          <p:cNvPr id="201" name="Thinking about thinking…"/>
+          <p:cNvPr id="209" name="Thinking about thinking…"/>
           <p:cNvSpPr txBox="1"/>
           <p:nvPr>
             <p:ph type="title"/>
@@ -7696,7 +8263,7 @@
       </p:sp>
       <p:pic>
         <p:nvPicPr>
-          <p:cNvPr id="202" name="Image" descr="Image"/>
+          <p:cNvPr id="210" name="Image" descr="Image"/>
           <p:cNvPicPr>
             <a:picLocks noChangeAspect="1"/>
           </p:cNvPicPr>
@@ -7762,7 +8329,7 @@
                                       <p:cBhvr>
                                         <p:cTn id="6" fill="hold"/>
                                         <p:tgtEl>
-                                          <p:spTgt spid="200">
+                                          <p:spTgt spid="208">
                                             <p:bg/>
                                           </p:spTgt>
                                         </p:tgtEl>
@@ -7790,7 +8357,7 @@
                                       <p:cBhvr>
                                         <p:cTn id="8" fill="hold"/>
                                         <p:tgtEl>
-                                          <p:spTgt spid="200">
+                                          <p:spTgt spid="208">
                                             <p:txEl>
                                               <p:pRg st="0" end="0"/>
                                             </p:txEl>
@@ -7838,7 +8405,7 @@
                                       <p:cBhvr>
                                         <p:cTn id="12" fill="hold"/>
                                         <p:tgtEl>
-                                          <p:spTgt spid="200">
+                                          <p:spTgt spid="208">
                                             <p:txEl>
                                               <p:pRg st="1" end="1"/>
                                             </p:txEl>
@@ -7886,7 +8453,7 @@
                                       <p:cBhvr>
                                         <p:cTn id="16" fill="hold"/>
                                         <p:tgtEl>
-                                          <p:spTgt spid="200">
+                                          <p:spTgt spid="208">
                                             <p:txEl>
                                               <p:pRg st="2" end="2"/>
                                             </p:txEl>
@@ -7934,7 +8501,7 @@
                                       <p:cBhvr>
                                         <p:cTn id="20" fill="hold"/>
                                         <p:tgtEl>
-                                          <p:spTgt spid="200">
+                                          <p:spTgt spid="208">
                                             <p:txEl>
                                               <p:pRg st="3" end="3"/>
                                             </p:txEl>
@@ -7979,13 +8546,13 @@
       </p:par>
     </p:tnLst>
     <p:bldLst>
-      <p:bldP build="p" bldLvl="5" animBg="1" rev="0" advAuto="0" spid="200" grpId="1"/>
+      <p:bldP build="p" bldLvl="5" animBg="1" rev="0" advAuto="0" spid="208" grpId="1"/>
     </p:bldLst>
   </p:timing>
 </p:sld>
 </file>
 
-<file path=ppt/slides/slide8.xml><?xml version="1.0" encoding="utf-8"?>
+<file path=ppt/slides/slide9.xml><?xml version="1.0" encoding="utf-8"?>
 <p:sld xmlns:a="http://schemas.openxmlformats.org/drawingml/2006/main" xmlns:r="http://schemas.openxmlformats.org/officeDocument/2006/relationships" xmlns:p="http://schemas.openxmlformats.org/presentationml/2006/main" xmlns:m="http://schemas.openxmlformats.org/officeDocument/2006/math" xmlns:a14="http://schemas.microsoft.com/office/drawing/2010/main" showMasterSp="1" showMasterPhAnim="1">
   <p:cSld>
     <p:spTree>
@@ -8004,7 +8571,7 @@
       </p:grpSpPr>
       <p:sp>
         <p:nvSpPr>
-          <p:cNvPr id="206" name="Exercise 4.1.6: Making Taffy…"/>
+          <p:cNvPr id="214" name="Exercise 4.1.6: Making Taffy…"/>
           <p:cNvSpPr txBox="1"/>
           <p:nvPr>
             <p:ph type="body" idx="1"/>
@@ -8046,7 +8613,7 @@
       </p:sp>
       <p:sp>
         <p:nvSpPr>
-          <p:cNvPr id="207" name="do now…"/>
+          <p:cNvPr id="215" name="do now…"/>
           <p:cNvSpPr txBox="1"/>
           <p:nvPr>
             <p:ph type="title"/>
